--- a/assets/2016_week4/Spark&amp;Spark Streaming.pptx
+++ b/assets/2016_week4/Spark&amp;Spark Streaming.pptx
@@ -6375,7 +6375,7 @@
           <a:p>
             <a:fld id="{FFF2EED5-93DF-E54F-95FC-ECA178E1B303}" type="datetimeFigureOut">
               <a:rPr kumimoji="1" lang="zh-CN" altLang="en-US" smtClean="0"/>
-              <a:t>16/6/5</a:t>
+              <a:t>2017/10/3</a:t>
             </a:fld>
             <a:endParaRPr kumimoji="1" lang="zh-CN" altLang="en-US"/>
           </a:p>
@@ -8712,7 +8712,7 @@
           <a:p>
             <a:fld id="{30D8DC86-0F8B-7040-979A-147D0D281B0C}" type="datetimeFigureOut">
               <a:rPr kumimoji="1" lang="zh-CN" altLang="en-US" smtClean="0"/>
-              <a:t>16/6/5</a:t>
+              <a:t>2017/10/3</a:t>
             </a:fld>
             <a:endParaRPr kumimoji="1" lang="zh-CN" altLang="en-US"/>
           </a:p>
@@ -8932,7 +8932,7 @@
           <a:p>
             <a:fld id="{30D8DC86-0F8B-7040-979A-147D0D281B0C}" type="datetimeFigureOut">
               <a:rPr kumimoji="1" lang="zh-CN" altLang="en-US" smtClean="0"/>
-              <a:t>16/6/5</a:t>
+              <a:t>2017/10/3</a:t>
             </a:fld>
             <a:endParaRPr kumimoji="1" lang="zh-CN" altLang="en-US"/>
           </a:p>
@@ -9188,7 +9188,7 @@
           <a:p>
             <a:fld id="{30D8DC86-0F8B-7040-979A-147D0D281B0C}" type="datetimeFigureOut">
               <a:rPr kumimoji="1" lang="zh-CN" altLang="en-US" smtClean="0"/>
-              <a:t>16/6/5</a:t>
+              <a:t>2017/10/3</a:t>
             </a:fld>
             <a:endParaRPr kumimoji="1" lang="zh-CN" altLang="en-US"/>
           </a:p>
@@ -9394,7 +9394,7 @@
           <a:p>
             <a:fld id="{30D8DC86-0F8B-7040-979A-147D0D281B0C}" type="datetimeFigureOut">
               <a:rPr kumimoji="1" lang="zh-CN" altLang="en-US" smtClean="0"/>
-              <a:t>16/6/5</a:t>
+              <a:t>2017/10/3</a:t>
             </a:fld>
             <a:endParaRPr kumimoji="1" lang="zh-CN" altLang="en-US" dirty="0"/>
           </a:p>
@@ -9744,7 +9744,7 @@
           <a:p>
             <a:fld id="{30D8DC86-0F8B-7040-979A-147D0D281B0C}" type="datetimeFigureOut">
               <a:rPr kumimoji="1" lang="zh-CN" altLang="en-US" smtClean="0"/>
-              <a:t>16/6/5</a:t>
+              <a:t>2017/10/3</a:t>
             </a:fld>
             <a:endParaRPr kumimoji="1" lang="zh-CN" altLang="en-US"/>
           </a:p>
@@ -10031,7 +10031,7 @@
           <a:p>
             <a:fld id="{30D8DC86-0F8B-7040-979A-147D0D281B0C}" type="datetimeFigureOut">
               <a:rPr kumimoji="1" lang="zh-CN" altLang="en-US" smtClean="0"/>
-              <a:t>16/6/5</a:t>
+              <a:t>2017/10/3</a:t>
             </a:fld>
             <a:endParaRPr kumimoji="1" lang="zh-CN" altLang="en-US"/>
           </a:p>
@@ -10422,7 +10422,7 @@
           <a:p>
             <a:fld id="{30D8DC86-0F8B-7040-979A-147D0D281B0C}" type="datetimeFigureOut">
               <a:rPr kumimoji="1" lang="zh-CN" altLang="en-US" smtClean="0"/>
-              <a:t>16/6/5</a:t>
+              <a:t>2017/10/3</a:t>
             </a:fld>
             <a:endParaRPr kumimoji="1" lang="zh-CN" altLang="en-US"/>
           </a:p>
@@ -10545,7 +10545,7 @@
           <a:p>
             <a:fld id="{30D8DC86-0F8B-7040-979A-147D0D281B0C}" type="datetimeFigureOut">
               <a:rPr kumimoji="1" lang="zh-CN" altLang="en-US" smtClean="0"/>
-              <a:t>16/6/5</a:t>
+              <a:t>2017/10/3</a:t>
             </a:fld>
             <a:endParaRPr kumimoji="1" lang="zh-CN" altLang="en-US"/>
           </a:p>
@@ -10716,7 +10716,7 @@
           <a:p>
             <a:fld id="{30D8DC86-0F8B-7040-979A-147D0D281B0C}" type="datetimeFigureOut">
               <a:rPr kumimoji="1" lang="zh-CN" altLang="en-US" smtClean="0"/>
-              <a:t>16/6/5</a:t>
+              <a:t>2017/10/3</a:t>
             </a:fld>
             <a:endParaRPr kumimoji="1" lang="zh-CN" altLang="en-US"/>
           </a:p>
@@ -11075,7 +11075,7 @@
           <a:p>
             <a:fld id="{30D8DC86-0F8B-7040-979A-147D0D281B0C}" type="datetimeFigureOut">
               <a:rPr kumimoji="1" lang="zh-CN" altLang="en-US" smtClean="0"/>
-              <a:t>16/6/5</a:t>
+              <a:t>2017/10/3</a:t>
             </a:fld>
             <a:endParaRPr kumimoji="1" lang="zh-CN" altLang="en-US"/>
           </a:p>
@@ -11462,7 +11462,7 @@
           <a:p>
             <a:fld id="{30D8DC86-0F8B-7040-979A-147D0D281B0C}" type="datetimeFigureOut">
               <a:rPr kumimoji="1" lang="zh-CN" altLang="en-US" smtClean="0"/>
-              <a:t>16/6/5</a:t>
+              <a:t>2017/10/3</a:t>
             </a:fld>
             <a:endParaRPr kumimoji="1" lang="zh-CN" altLang="en-US"/>
           </a:p>
@@ -11754,7 +11754,7 @@
           <a:p>
             <a:fld id="{30D8DC86-0F8B-7040-979A-147D0D281B0C}" type="datetimeFigureOut">
               <a:rPr kumimoji="1" lang="zh-CN" altLang="en-US" smtClean="0"/>
-              <a:t>16/6/5</a:t>
+              <a:t>2017/10/3</a:t>
             </a:fld>
             <a:endParaRPr kumimoji="1" lang="zh-CN" altLang="en-US"/>
           </a:p>
@@ -12354,10 +12354,6 @@
           <a:bodyPr/>
           <a:lstStyle/>
           <a:p>
-            <a:r>
-              <a:rPr kumimoji="1" lang="zh-CN" altLang="en-US" dirty="0" smtClean="0"/>
-              <a:t>杜一凡</a:t>
-            </a:r>
             <a:endParaRPr kumimoji="1" lang="zh-CN" altLang="en-US" dirty="0"/>
           </a:p>
         </p:txBody>
@@ -13069,11 +13065,7 @@
             </a:r>
             <a:r>
               <a:rPr lang="zh-CN" altLang="en-US" dirty="0" smtClean="0"/>
-              <a:t>，但必要时可以手动缓存在内存中</a:t>
-            </a:r>
-            <a:r>
-              <a:rPr lang="zh-CN" altLang="en-US" dirty="0" smtClean="0"/>
-              <a:t>。</a:t>
+              <a:t>，但必要时可以手动缓存在内存中。</a:t>
             </a:r>
             <a:endParaRPr lang="en-US" altLang="zh-CN" dirty="0" smtClean="0"/>
           </a:p>
@@ -13087,7 +13079,6 @@
               <a:rPr lang="en-US" altLang="zh-CN" dirty="0" smtClean="0"/>
               <a:t>(lineage)</a:t>
             </a:r>
-            <a:endParaRPr lang="en-US" altLang="zh-CN" dirty="0" smtClean="0"/>
           </a:p>
           <a:p>
             <a:endParaRPr lang="zh-CN" altLang="en-US" dirty="0"/>
@@ -15570,7 +15561,7 @@
           <a:graphicData uri="http://schemas.openxmlformats.org/presentationml/2006/ole">
             <mc:AlternateContent xmlns:mc="http://schemas.openxmlformats.org/markup-compatibility/2006">
               <mc:Choice xmlns:v="urn:schemas-microsoft-com:vml" Requires="v">
-                <p:oleObj spid="_x0000_s1042" r:id="rId4" imgW="12330000" imgH="13739400" progId="">
+                <p:oleObj spid="_x0000_s1044" r:id="rId4" imgW="12330000" imgH="13739400" progId="">
                   <p:embed/>
                 </p:oleObj>
               </mc:Choice>
